--- a/ppt 16-9/1176.去不去.pptx
+++ b/ppt 16-9/1176.去不去.pptx
@@ -5,7 +5,7 @@
     <p:sldMasterId id="2147483648" r:id="rId1"/>
   </p:sldMasterIdLst>
   <p:sldIdLst>
-    <p:sldId id="687" r:id="rId2"/>
+    <p:sldId id="688" r:id="rId2"/>
   </p:sldIdLst>
   <p:sldSz cx="12192000" cy="6858000"/>
   <p:notesSz cx="6858000" cy="9144000"/>
@@ -129,7 +129,7 @@
           <p:cNvPr id="2" name="标题 1">
             <a:extLst>
               <a:ext uri="{FF2B5EF4-FFF2-40B4-BE49-F238E27FC236}">
-                <a16:creationId xmlns:a16="http://schemas.microsoft.com/office/drawing/2014/main" id="{E2E4F028-E7BC-5CD0-3569-D3366A81469E}"/>
+                <a16:creationId xmlns:a16="http://schemas.microsoft.com/office/drawing/2014/main" id="{331FCFA0-86E2-C5BF-8CB1-5FC0C3BC6871}"/>
               </a:ext>
             </a:extLst>
           </p:cNvPr>
@@ -166,7 +166,7 @@
           <p:cNvPr id="3" name="副标题 2">
             <a:extLst>
               <a:ext uri="{FF2B5EF4-FFF2-40B4-BE49-F238E27FC236}">
-                <a16:creationId xmlns:a16="http://schemas.microsoft.com/office/drawing/2014/main" id="{F1D4C7C2-8959-D2F9-2D63-5EA4446F5755}"/>
+                <a16:creationId xmlns:a16="http://schemas.microsoft.com/office/drawing/2014/main" id="{61854B35-306D-8FB7-A0FC-B5ADC6C92BB0}"/>
               </a:ext>
             </a:extLst>
           </p:cNvPr>
@@ -236,7 +236,7 @@
           <p:cNvPr id="4" name="日期占位符 3">
             <a:extLst>
               <a:ext uri="{FF2B5EF4-FFF2-40B4-BE49-F238E27FC236}">
-                <a16:creationId xmlns:a16="http://schemas.microsoft.com/office/drawing/2014/main" id="{620A97A8-D819-0975-A8A8-8CF4647FCBE5}"/>
+                <a16:creationId xmlns:a16="http://schemas.microsoft.com/office/drawing/2014/main" id="{C7000052-3C58-3F68-53D7-D49A176D593E}"/>
               </a:ext>
             </a:extLst>
           </p:cNvPr>
@@ -252,7 +252,7 @@
           <a:bodyPr/>
           <a:lstStyle/>
           <a:p>
-            <a:fld id="{CAAEE975-1DCA-4D9F-A935-0F8A048D3108}" type="datetimeFigureOut">
+            <a:fld id="{FB9FC494-3180-4EDD-B150-80C50A29B4FC}" type="datetimeFigureOut">
               <a:rPr lang="zh-CN" altLang="en-US" smtClean="0"/>
               <a:t>2024/3/10</a:t>
             </a:fld>
@@ -265,7 +265,7 @@
           <p:cNvPr id="5" name="页脚占位符 4">
             <a:extLst>
               <a:ext uri="{FF2B5EF4-FFF2-40B4-BE49-F238E27FC236}">
-                <a16:creationId xmlns:a16="http://schemas.microsoft.com/office/drawing/2014/main" id="{18671430-E447-A502-200B-A092C11E947C}"/>
+                <a16:creationId xmlns:a16="http://schemas.microsoft.com/office/drawing/2014/main" id="{70DFDA0D-CAA8-9A3D-516A-2F6043823807}"/>
               </a:ext>
             </a:extLst>
           </p:cNvPr>
@@ -290,7 +290,7 @@
           <p:cNvPr id="6" name="灯片编号占位符 5">
             <a:extLst>
               <a:ext uri="{FF2B5EF4-FFF2-40B4-BE49-F238E27FC236}">
-                <a16:creationId xmlns:a16="http://schemas.microsoft.com/office/drawing/2014/main" id="{F9F63164-5C3B-6F06-D517-D0D2C304BE26}"/>
+                <a16:creationId xmlns:a16="http://schemas.microsoft.com/office/drawing/2014/main" id="{D2D4E5D4-1407-1942-DA56-CAC0A31CE91A}"/>
               </a:ext>
             </a:extLst>
           </p:cNvPr>
@@ -306,7 +306,7 @@
           <a:bodyPr/>
           <a:lstStyle/>
           <a:p>
-            <a:fld id="{C8FF8796-368B-42AA-9432-65525EF91DD5}" type="slidenum">
+            <a:fld id="{CAA1C6D4-DBE5-49AD-828A-40F2038B59C6}" type="slidenum">
               <a:rPr lang="zh-CN" altLang="en-US" smtClean="0"/>
               <a:t>‹#›</a:t>
             </a:fld>
@@ -317,7 +317,7 @@
     </p:spTree>
     <p:extLst>
       <p:ext uri="{BB962C8B-B14F-4D97-AF65-F5344CB8AC3E}">
-        <p14:creationId xmlns:p14="http://schemas.microsoft.com/office/powerpoint/2010/main" val="1700151978"/>
+        <p14:creationId xmlns:p14="http://schemas.microsoft.com/office/powerpoint/2010/main" val="3862405768"/>
       </p:ext>
     </p:extLst>
   </p:cSld>
@@ -349,7 +349,7 @@
           <p:cNvPr id="2" name="标题 1">
             <a:extLst>
               <a:ext uri="{FF2B5EF4-FFF2-40B4-BE49-F238E27FC236}">
-                <a16:creationId xmlns:a16="http://schemas.microsoft.com/office/drawing/2014/main" id="{856A17C1-6803-2282-9A18-95DFE3C53962}"/>
+                <a16:creationId xmlns:a16="http://schemas.microsoft.com/office/drawing/2014/main" id="{8E856526-6217-7FC1-4CD7-3D06689F8CD0}"/>
               </a:ext>
             </a:extLst>
           </p:cNvPr>
@@ -377,7 +377,7 @@
           <p:cNvPr id="3" name="竖排文字占位符 2">
             <a:extLst>
               <a:ext uri="{FF2B5EF4-FFF2-40B4-BE49-F238E27FC236}">
-                <a16:creationId xmlns:a16="http://schemas.microsoft.com/office/drawing/2014/main" id="{B5FD51B0-1477-DB16-E82E-D4EE70720C4F}"/>
+                <a16:creationId xmlns:a16="http://schemas.microsoft.com/office/drawing/2014/main" id="{B238F400-CF37-0E37-8A90-D7C75F2FCA87}"/>
               </a:ext>
             </a:extLst>
           </p:cNvPr>
@@ -434,7 +434,7 @@
           <p:cNvPr id="4" name="日期占位符 3">
             <a:extLst>
               <a:ext uri="{FF2B5EF4-FFF2-40B4-BE49-F238E27FC236}">
-                <a16:creationId xmlns:a16="http://schemas.microsoft.com/office/drawing/2014/main" id="{3C76F63B-1A17-583D-AFA7-CB098669BD77}"/>
+                <a16:creationId xmlns:a16="http://schemas.microsoft.com/office/drawing/2014/main" id="{D69CB99B-3014-3ED9-F02A-7C685C6370C5}"/>
               </a:ext>
             </a:extLst>
           </p:cNvPr>
@@ -450,7 +450,7 @@
           <a:bodyPr/>
           <a:lstStyle/>
           <a:p>
-            <a:fld id="{CAAEE975-1DCA-4D9F-A935-0F8A048D3108}" type="datetimeFigureOut">
+            <a:fld id="{FB9FC494-3180-4EDD-B150-80C50A29B4FC}" type="datetimeFigureOut">
               <a:rPr lang="zh-CN" altLang="en-US" smtClean="0"/>
               <a:t>2024/3/10</a:t>
             </a:fld>
@@ -463,7 +463,7 @@
           <p:cNvPr id="5" name="页脚占位符 4">
             <a:extLst>
               <a:ext uri="{FF2B5EF4-FFF2-40B4-BE49-F238E27FC236}">
-                <a16:creationId xmlns:a16="http://schemas.microsoft.com/office/drawing/2014/main" id="{CB58C6AA-0639-0CCB-824D-6E41480B1BCA}"/>
+                <a16:creationId xmlns:a16="http://schemas.microsoft.com/office/drawing/2014/main" id="{FDA74960-B7BE-D65A-6D28-964B0ECB3A94}"/>
               </a:ext>
             </a:extLst>
           </p:cNvPr>
@@ -488,7 +488,7 @@
           <p:cNvPr id="6" name="灯片编号占位符 5">
             <a:extLst>
               <a:ext uri="{FF2B5EF4-FFF2-40B4-BE49-F238E27FC236}">
-                <a16:creationId xmlns:a16="http://schemas.microsoft.com/office/drawing/2014/main" id="{A0D6A4FB-5543-A654-5204-3169CF21625C}"/>
+                <a16:creationId xmlns:a16="http://schemas.microsoft.com/office/drawing/2014/main" id="{CA327F6D-64D8-826B-FC39-1E2AC72636CC}"/>
               </a:ext>
             </a:extLst>
           </p:cNvPr>
@@ -504,7 +504,7 @@
           <a:bodyPr/>
           <a:lstStyle/>
           <a:p>
-            <a:fld id="{C8FF8796-368B-42AA-9432-65525EF91DD5}" type="slidenum">
+            <a:fld id="{CAA1C6D4-DBE5-49AD-828A-40F2038B59C6}" type="slidenum">
               <a:rPr lang="zh-CN" altLang="en-US" smtClean="0"/>
               <a:t>‹#›</a:t>
             </a:fld>
@@ -515,7 +515,7 @@
     </p:spTree>
     <p:extLst>
       <p:ext uri="{BB962C8B-B14F-4D97-AF65-F5344CB8AC3E}">
-        <p14:creationId xmlns:p14="http://schemas.microsoft.com/office/powerpoint/2010/main" val="2073355384"/>
+        <p14:creationId xmlns:p14="http://schemas.microsoft.com/office/powerpoint/2010/main" val="1620580900"/>
       </p:ext>
     </p:extLst>
   </p:cSld>
@@ -547,7 +547,7 @@
           <p:cNvPr id="2" name="竖排标题 1">
             <a:extLst>
               <a:ext uri="{FF2B5EF4-FFF2-40B4-BE49-F238E27FC236}">
-                <a16:creationId xmlns:a16="http://schemas.microsoft.com/office/drawing/2014/main" id="{B3975A59-F997-BBBB-DD13-C6183CF6826C}"/>
+                <a16:creationId xmlns:a16="http://schemas.microsoft.com/office/drawing/2014/main" id="{7F89FEF9-114D-4067-CE8C-90574D218EDA}"/>
               </a:ext>
             </a:extLst>
           </p:cNvPr>
@@ -580,7 +580,7 @@
           <p:cNvPr id="3" name="竖排文字占位符 2">
             <a:extLst>
               <a:ext uri="{FF2B5EF4-FFF2-40B4-BE49-F238E27FC236}">
-                <a16:creationId xmlns:a16="http://schemas.microsoft.com/office/drawing/2014/main" id="{1F73B48B-C903-3408-DF3E-498F546BF163}"/>
+                <a16:creationId xmlns:a16="http://schemas.microsoft.com/office/drawing/2014/main" id="{60F9CB2C-2D54-EB1C-CAC8-B87310F2C542}"/>
               </a:ext>
             </a:extLst>
           </p:cNvPr>
@@ -642,7 +642,7 @@
           <p:cNvPr id="4" name="日期占位符 3">
             <a:extLst>
               <a:ext uri="{FF2B5EF4-FFF2-40B4-BE49-F238E27FC236}">
-                <a16:creationId xmlns:a16="http://schemas.microsoft.com/office/drawing/2014/main" id="{CF94CCA8-4A25-488A-BEDA-3ABC40294214}"/>
+                <a16:creationId xmlns:a16="http://schemas.microsoft.com/office/drawing/2014/main" id="{1B083B3F-D445-33A0-0A25-FFC4A75ACCD8}"/>
               </a:ext>
             </a:extLst>
           </p:cNvPr>
@@ -658,7 +658,7 @@
           <a:bodyPr/>
           <a:lstStyle/>
           <a:p>
-            <a:fld id="{CAAEE975-1DCA-4D9F-A935-0F8A048D3108}" type="datetimeFigureOut">
+            <a:fld id="{FB9FC494-3180-4EDD-B150-80C50A29B4FC}" type="datetimeFigureOut">
               <a:rPr lang="zh-CN" altLang="en-US" smtClean="0"/>
               <a:t>2024/3/10</a:t>
             </a:fld>
@@ -671,7 +671,7 @@
           <p:cNvPr id="5" name="页脚占位符 4">
             <a:extLst>
               <a:ext uri="{FF2B5EF4-FFF2-40B4-BE49-F238E27FC236}">
-                <a16:creationId xmlns:a16="http://schemas.microsoft.com/office/drawing/2014/main" id="{F033A503-423D-4C19-2587-0CB05AFF790E}"/>
+                <a16:creationId xmlns:a16="http://schemas.microsoft.com/office/drawing/2014/main" id="{A58AB7C1-41BF-3310-EB6A-295975909F9D}"/>
               </a:ext>
             </a:extLst>
           </p:cNvPr>
@@ -696,7 +696,7 @@
           <p:cNvPr id="6" name="灯片编号占位符 5">
             <a:extLst>
               <a:ext uri="{FF2B5EF4-FFF2-40B4-BE49-F238E27FC236}">
-                <a16:creationId xmlns:a16="http://schemas.microsoft.com/office/drawing/2014/main" id="{E8E41128-31AA-95F0-8FA7-2EF9CE058B25}"/>
+                <a16:creationId xmlns:a16="http://schemas.microsoft.com/office/drawing/2014/main" id="{DFAAE95E-32E6-2BC9-6A0F-EF735C6B56E0}"/>
               </a:ext>
             </a:extLst>
           </p:cNvPr>
@@ -712,7 +712,7 @@
           <a:bodyPr/>
           <a:lstStyle/>
           <a:p>
-            <a:fld id="{C8FF8796-368B-42AA-9432-65525EF91DD5}" type="slidenum">
+            <a:fld id="{CAA1C6D4-DBE5-49AD-828A-40F2038B59C6}" type="slidenum">
               <a:rPr lang="zh-CN" altLang="en-US" smtClean="0"/>
               <a:t>‹#›</a:t>
             </a:fld>
@@ -723,7 +723,7 @@
     </p:spTree>
     <p:extLst>
       <p:ext uri="{BB962C8B-B14F-4D97-AF65-F5344CB8AC3E}">
-        <p14:creationId xmlns:p14="http://schemas.microsoft.com/office/powerpoint/2010/main" val="599325195"/>
+        <p14:creationId xmlns:p14="http://schemas.microsoft.com/office/powerpoint/2010/main" val="1551881796"/>
       </p:ext>
     </p:extLst>
   </p:cSld>
@@ -755,7 +755,7 @@
           <p:cNvPr id="2" name="标题 1">
             <a:extLst>
               <a:ext uri="{FF2B5EF4-FFF2-40B4-BE49-F238E27FC236}">
-                <a16:creationId xmlns:a16="http://schemas.microsoft.com/office/drawing/2014/main" id="{4EE18977-9C02-9E17-D65C-76DF0DFB50DD}"/>
+                <a16:creationId xmlns:a16="http://schemas.microsoft.com/office/drawing/2014/main" id="{82DE0D59-B9AC-9B7D-1F0C-91CD0F4E0D18}"/>
               </a:ext>
             </a:extLst>
           </p:cNvPr>
@@ -783,7 +783,7 @@
           <p:cNvPr id="3" name="内容占位符 2">
             <a:extLst>
               <a:ext uri="{FF2B5EF4-FFF2-40B4-BE49-F238E27FC236}">
-                <a16:creationId xmlns:a16="http://schemas.microsoft.com/office/drawing/2014/main" id="{96D6B5E7-100B-A56D-D1C5-B4E36E7E4EBA}"/>
+                <a16:creationId xmlns:a16="http://schemas.microsoft.com/office/drawing/2014/main" id="{2D886468-D00C-9BC5-2DB4-EE37A4B649A7}"/>
               </a:ext>
             </a:extLst>
           </p:cNvPr>
@@ -840,7 +840,7 @@
           <p:cNvPr id="4" name="日期占位符 3">
             <a:extLst>
               <a:ext uri="{FF2B5EF4-FFF2-40B4-BE49-F238E27FC236}">
-                <a16:creationId xmlns:a16="http://schemas.microsoft.com/office/drawing/2014/main" id="{84F01ABF-7523-52B6-CF3F-D0ACB9A82847}"/>
+                <a16:creationId xmlns:a16="http://schemas.microsoft.com/office/drawing/2014/main" id="{ECEEDEC0-48A8-B61B-33C7-17262FC9C20F}"/>
               </a:ext>
             </a:extLst>
           </p:cNvPr>
@@ -856,7 +856,7 @@
           <a:bodyPr/>
           <a:lstStyle/>
           <a:p>
-            <a:fld id="{CAAEE975-1DCA-4D9F-A935-0F8A048D3108}" type="datetimeFigureOut">
+            <a:fld id="{FB9FC494-3180-4EDD-B150-80C50A29B4FC}" type="datetimeFigureOut">
               <a:rPr lang="zh-CN" altLang="en-US" smtClean="0"/>
               <a:t>2024/3/10</a:t>
             </a:fld>
@@ -869,7 +869,7 @@
           <p:cNvPr id="5" name="页脚占位符 4">
             <a:extLst>
               <a:ext uri="{FF2B5EF4-FFF2-40B4-BE49-F238E27FC236}">
-                <a16:creationId xmlns:a16="http://schemas.microsoft.com/office/drawing/2014/main" id="{54F6E458-75BC-F7C5-AE9E-8D4D1C90EBD0}"/>
+                <a16:creationId xmlns:a16="http://schemas.microsoft.com/office/drawing/2014/main" id="{30E7B3C4-BC78-70CD-2CEA-0D86A1604CFD}"/>
               </a:ext>
             </a:extLst>
           </p:cNvPr>
@@ -894,7 +894,7 @@
           <p:cNvPr id="6" name="灯片编号占位符 5">
             <a:extLst>
               <a:ext uri="{FF2B5EF4-FFF2-40B4-BE49-F238E27FC236}">
-                <a16:creationId xmlns:a16="http://schemas.microsoft.com/office/drawing/2014/main" id="{DF03717F-299E-0FEC-39CA-67CA9DD8A2EF}"/>
+                <a16:creationId xmlns:a16="http://schemas.microsoft.com/office/drawing/2014/main" id="{EE317D4B-8552-0292-D5AC-17F0CEA74F08}"/>
               </a:ext>
             </a:extLst>
           </p:cNvPr>
@@ -910,7 +910,7 @@
           <a:bodyPr/>
           <a:lstStyle/>
           <a:p>
-            <a:fld id="{C8FF8796-368B-42AA-9432-65525EF91DD5}" type="slidenum">
+            <a:fld id="{CAA1C6D4-DBE5-49AD-828A-40F2038B59C6}" type="slidenum">
               <a:rPr lang="zh-CN" altLang="en-US" smtClean="0"/>
               <a:t>‹#›</a:t>
             </a:fld>
@@ -921,7 +921,7 @@
     </p:spTree>
     <p:extLst>
       <p:ext uri="{BB962C8B-B14F-4D97-AF65-F5344CB8AC3E}">
-        <p14:creationId xmlns:p14="http://schemas.microsoft.com/office/powerpoint/2010/main" val="2511541472"/>
+        <p14:creationId xmlns:p14="http://schemas.microsoft.com/office/powerpoint/2010/main" val="1768944959"/>
       </p:ext>
     </p:extLst>
   </p:cSld>
@@ -953,7 +953,7 @@
           <p:cNvPr id="2" name="标题 1">
             <a:extLst>
               <a:ext uri="{FF2B5EF4-FFF2-40B4-BE49-F238E27FC236}">
-                <a16:creationId xmlns:a16="http://schemas.microsoft.com/office/drawing/2014/main" id="{7D1B4AA9-5BF1-F1EB-D373-F596EF117F27}"/>
+                <a16:creationId xmlns:a16="http://schemas.microsoft.com/office/drawing/2014/main" id="{3E804392-8D36-3B8C-BC27-AF48CD1B234B}"/>
               </a:ext>
             </a:extLst>
           </p:cNvPr>
@@ -990,7 +990,7 @@
           <p:cNvPr id="3" name="文本占位符 2">
             <a:extLst>
               <a:ext uri="{FF2B5EF4-FFF2-40B4-BE49-F238E27FC236}">
-                <a16:creationId xmlns:a16="http://schemas.microsoft.com/office/drawing/2014/main" id="{F9AC4CF7-D7AC-DB11-3231-4D70791347E7}"/>
+                <a16:creationId xmlns:a16="http://schemas.microsoft.com/office/drawing/2014/main" id="{37D0EA07-898A-4AEF-94D7-505BCD7A0B2A}"/>
               </a:ext>
             </a:extLst>
           </p:cNvPr>
@@ -1115,7 +1115,7 @@
           <p:cNvPr id="4" name="日期占位符 3">
             <a:extLst>
               <a:ext uri="{FF2B5EF4-FFF2-40B4-BE49-F238E27FC236}">
-                <a16:creationId xmlns:a16="http://schemas.microsoft.com/office/drawing/2014/main" id="{204FF218-DD65-874C-C64F-AF59E24430FD}"/>
+                <a16:creationId xmlns:a16="http://schemas.microsoft.com/office/drawing/2014/main" id="{F163C53B-C5F9-EB60-E1BF-A2F7D116ADED}"/>
               </a:ext>
             </a:extLst>
           </p:cNvPr>
@@ -1131,7 +1131,7 @@
           <a:bodyPr/>
           <a:lstStyle/>
           <a:p>
-            <a:fld id="{CAAEE975-1DCA-4D9F-A935-0F8A048D3108}" type="datetimeFigureOut">
+            <a:fld id="{FB9FC494-3180-4EDD-B150-80C50A29B4FC}" type="datetimeFigureOut">
               <a:rPr lang="zh-CN" altLang="en-US" smtClean="0"/>
               <a:t>2024/3/10</a:t>
             </a:fld>
@@ -1144,7 +1144,7 @@
           <p:cNvPr id="5" name="页脚占位符 4">
             <a:extLst>
               <a:ext uri="{FF2B5EF4-FFF2-40B4-BE49-F238E27FC236}">
-                <a16:creationId xmlns:a16="http://schemas.microsoft.com/office/drawing/2014/main" id="{EE8D0BD4-7B0E-E50F-FC4D-930E1828FF13}"/>
+                <a16:creationId xmlns:a16="http://schemas.microsoft.com/office/drawing/2014/main" id="{0ADFE6CF-5D4A-F134-9F00-63A62FD937A6}"/>
               </a:ext>
             </a:extLst>
           </p:cNvPr>
@@ -1169,7 +1169,7 @@
           <p:cNvPr id="6" name="灯片编号占位符 5">
             <a:extLst>
               <a:ext uri="{FF2B5EF4-FFF2-40B4-BE49-F238E27FC236}">
-                <a16:creationId xmlns:a16="http://schemas.microsoft.com/office/drawing/2014/main" id="{C2C98451-D5CD-F5F7-3F7D-ED844545504E}"/>
+                <a16:creationId xmlns:a16="http://schemas.microsoft.com/office/drawing/2014/main" id="{61829760-3CB2-A739-3AEE-0CFDEFCCC6EE}"/>
               </a:ext>
             </a:extLst>
           </p:cNvPr>
@@ -1185,7 +1185,7 @@
           <a:bodyPr/>
           <a:lstStyle/>
           <a:p>
-            <a:fld id="{C8FF8796-368B-42AA-9432-65525EF91DD5}" type="slidenum">
+            <a:fld id="{CAA1C6D4-DBE5-49AD-828A-40F2038B59C6}" type="slidenum">
               <a:rPr lang="zh-CN" altLang="en-US" smtClean="0"/>
               <a:t>‹#›</a:t>
             </a:fld>
@@ -1196,7 +1196,7 @@
     </p:spTree>
     <p:extLst>
       <p:ext uri="{BB962C8B-B14F-4D97-AF65-F5344CB8AC3E}">
-        <p14:creationId xmlns:p14="http://schemas.microsoft.com/office/powerpoint/2010/main" val="2356816337"/>
+        <p14:creationId xmlns:p14="http://schemas.microsoft.com/office/powerpoint/2010/main" val="3527487023"/>
       </p:ext>
     </p:extLst>
   </p:cSld>
@@ -1228,7 +1228,7 @@
           <p:cNvPr id="2" name="标题 1">
             <a:extLst>
               <a:ext uri="{FF2B5EF4-FFF2-40B4-BE49-F238E27FC236}">
-                <a16:creationId xmlns:a16="http://schemas.microsoft.com/office/drawing/2014/main" id="{6689CA55-9CEB-07D1-8602-6C9E9303B3F2}"/>
+                <a16:creationId xmlns:a16="http://schemas.microsoft.com/office/drawing/2014/main" id="{D7249D0D-9289-75FA-083E-93BE79007E1F}"/>
               </a:ext>
             </a:extLst>
           </p:cNvPr>
@@ -1256,7 +1256,7 @@
           <p:cNvPr id="3" name="内容占位符 2">
             <a:extLst>
               <a:ext uri="{FF2B5EF4-FFF2-40B4-BE49-F238E27FC236}">
-                <a16:creationId xmlns:a16="http://schemas.microsoft.com/office/drawing/2014/main" id="{2A86D39D-3321-3698-D3AE-7B7402F7DECC}"/>
+                <a16:creationId xmlns:a16="http://schemas.microsoft.com/office/drawing/2014/main" id="{51D85F25-302F-15DC-0305-C2D16F3D9EA7}"/>
               </a:ext>
             </a:extLst>
           </p:cNvPr>
@@ -1318,7 +1318,7 @@
           <p:cNvPr id="4" name="内容占位符 3">
             <a:extLst>
               <a:ext uri="{FF2B5EF4-FFF2-40B4-BE49-F238E27FC236}">
-                <a16:creationId xmlns:a16="http://schemas.microsoft.com/office/drawing/2014/main" id="{C3244436-24BD-89EC-E721-B7144D6ECA6E}"/>
+                <a16:creationId xmlns:a16="http://schemas.microsoft.com/office/drawing/2014/main" id="{79856CB7-4AC8-E82E-66AF-F09F19AFBE98}"/>
               </a:ext>
             </a:extLst>
           </p:cNvPr>
@@ -1380,7 +1380,7 @@
           <p:cNvPr id="5" name="日期占位符 4">
             <a:extLst>
               <a:ext uri="{FF2B5EF4-FFF2-40B4-BE49-F238E27FC236}">
-                <a16:creationId xmlns:a16="http://schemas.microsoft.com/office/drawing/2014/main" id="{B5D8A061-5BC2-5D5A-A240-87B190D891E6}"/>
+                <a16:creationId xmlns:a16="http://schemas.microsoft.com/office/drawing/2014/main" id="{5861EB72-492D-089A-4ADF-05701327B89E}"/>
               </a:ext>
             </a:extLst>
           </p:cNvPr>
@@ -1396,7 +1396,7 @@
           <a:bodyPr/>
           <a:lstStyle/>
           <a:p>
-            <a:fld id="{CAAEE975-1DCA-4D9F-A935-0F8A048D3108}" type="datetimeFigureOut">
+            <a:fld id="{FB9FC494-3180-4EDD-B150-80C50A29B4FC}" type="datetimeFigureOut">
               <a:rPr lang="zh-CN" altLang="en-US" smtClean="0"/>
               <a:t>2024/3/10</a:t>
             </a:fld>
@@ -1409,7 +1409,7 @@
           <p:cNvPr id="6" name="页脚占位符 5">
             <a:extLst>
               <a:ext uri="{FF2B5EF4-FFF2-40B4-BE49-F238E27FC236}">
-                <a16:creationId xmlns:a16="http://schemas.microsoft.com/office/drawing/2014/main" id="{8E4F8A76-965D-3BD3-53B2-EC04C83899A7}"/>
+                <a16:creationId xmlns:a16="http://schemas.microsoft.com/office/drawing/2014/main" id="{56F6A869-7924-F7FE-E5F1-EA3BDFB3CB8D}"/>
               </a:ext>
             </a:extLst>
           </p:cNvPr>
@@ -1434,7 +1434,7 @@
           <p:cNvPr id="7" name="灯片编号占位符 6">
             <a:extLst>
               <a:ext uri="{FF2B5EF4-FFF2-40B4-BE49-F238E27FC236}">
-                <a16:creationId xmlns:a16="http://schemas.microsoft.com/office/drawing/2014/main" id="{8B6567F3-F54E-2C34-97E0-FA13A172DFC5}"/>
+                <a16:creationId xmlns:a16="http://schemas.microsoft.com/office/drawing/2014/main" id="{04C96EC4-94F5-AC1F-0401-E20D2EA561E3}"/>
               </a:ext>
             </a:extLst>
           </p:cNvPr>
@@ -1450,7 +1450,7 @@
           <a:bodyPr/>
           <a:lstStyle/>
           <a:p>
-            <a:fld id="{C8FF8796-368B-42AA-9432-65525EF91DD5}" type="slidenum">
+            <a:fld id="{CAA1C6D4-DBE5-49AD-828A-40F2038B59C6}" type="slidenum">
               <a:rPr lang="zh-CN" altLang="en-US" smtClean="0"/>
               <a:t>‹#›</a:t>
             </a:fld>
@@ -1461,7 +1461,7 @@
     </p:spTree>
     <p:extLst>
       <p:ext uri="{BB962C8B-B14F-4D97-AF65-F5344CB8AC3E}">
-        <p14:creationId xmlns:p14="http://schemas.microsoft.com/office/powerpoint/2010/main" val="3099221538"/>
+        <p14:creationId xmlns:p14="http://schemas.microsoft.com/office/powerpoint/2010/main" val="1744461657"/>
       </p:ext>
     </p:extLst>
   </p:cSld>
@@ -1493,7 +1493,7 @@
           <p:cNvPr id="2" name="标题 1">
             <a:extLst>
               <a:ext uri="{FF2B5EF4-FFF2-40B4-BE49-F238E27FC236}">
-                <a16:creationId xmlns:a16="http://schemas.microsoft.com/office/drawing/2014/main" id="{7605B001-8867-CAD2-A210-C2B84065201C}"/>
+                <a16:creationId xmlns:a16="http://schemas.microsoft.com/office/drawing/2014/main" id="{F7A204B6-639C-5382-555C-1B676F18B6FD}"/>
               </a:ext>
             </a:extLst>
           </p:cNvPr>
@@ -1526,7 +1526,7 @@
           <p:cNvPr id="3" name="文本占位符 2">
             <a:extLst>
               <a:ext uri="{FF2B5EF4-FFF2-40B4-BE49-F238E27FC236}">
-                <a16:creationId xmlns:a16="http://schemas.microsoft.com/office/drawing/2014/main" id="{B20E8984-F265-8204-ADD1-8793F1EFE20C}"/>
+                <a16:creationId xmlns:a16="http://schemas.microsoft.com/office/drawing/2014/main" id="{A3813ECC-5A34-6AE7-0A4A-F9A8B40C07C4}"/>
               </a:ext>
             </a:extLst>
           </p:cNvPr>
@@ -1597,7 +1597,7 @@
           <p:cNvPr id="4" name="内容占位符 3">
             <a:extLst>
               <a:ext uri="{FF2B5EF4-FFF2-40B4-BE49-F238E27FC236}">
-                <a16:creationId xmlns:a16="http://schemas.microsoft.com/office/drawing/2014/main" id="{93D4D238-1261-94FB-3C88-1FFFD9E5644D}"/>
+                <a16:creationId xmlns:a16="http://schemas.microsoft.com/office/drawing/2014/main" id="{B7F7D77A-C485-95CA-BB55-BF82AB862700}"/>
               </a:ext>
             </a:extLst>
           </p:cNvPr>
@@ -1659,7 +1659,7 @@
           <p:cNvPr id="5" name="文本占位符 4">
             <a:extLst>
               <a:ext uri="{FF2B5EF4-FFF2-40B4-BE49-F238E27FC236}">
-                <a16:creationId xmlns:a16="http://schemas.microsoft.com/office/drawing/2014/main" id="{59036E04-268E-3524-5E03-95AC8E08D220}"/>
+                <a16:creationId xmlns:a16="http://schemas.microsoft.com/office/drawing/2014/main" id="{139682CA-3140-8897-8A85-DF2F17DF015B}"/>
               </a:ext>
             </a:extLst>
           </p:cNvPr>
@@ -1730,7 +1730,7 @@
           <p:cNvPr id="6" name="内容占位符 5">
             <a:extLst>
               <a:ext uri="{FF2B5EF4-FFF2-40B4-BE49-F238E27FC236}">
-                <a16:creationId xmlns:a16="http://schemas.microsoft.com/office/drawing/2014/main" id="{0774822E-A0B7-9E9A-E159-E4DC939AF7BB}"/>
+                <a16:creationId xmlns:a16="http://schemas.microsoft.com/office/drawing/2014/main" id="{1FDAB96A-C590-405A-7AE7-5F10CAFBC5DA}"/>
               </a:ext>
             </a:extLst>
           </p:cNvPr>
@@ -1792,7 +1792,7 @@
           <p:cNvPr id="7" name="日期占位符 6">
             <a:extLst>
               <a:ext uri="{FF2B5EF4-FFF2-40B4-BE49-F238E27FC236}">
-                <a16:creationId xmlns:a16="http://schemas.microsoft.com/office/drawing/2014/main" id="{378A4422-C080-C8FC-B410-E5115474DB36}"/>
+                <a16:creationId xmlns:a16="http://schemas.microsoft.com/office/drawing/2014/main" id="{16895F7D-B4D5-5A86-781D-500FEEDC9BDC}"/>
               </a:ext>
             </a:extLst>
           </p:cNvPr>
@@ -1808,7 +1808,7 @@
           <a:bodyPr/>
           <a:lstStyle/>
           <a:p>
-            <a:fld id="{CAAEE975-1DCA-4D9F-A935-0F8A048D3108}" type="datetimeFigureOut">
+            <a:fld id="{FB9FC494-3180-4EDD-B150-80C50A29B4FC}" type="datetimeFigureOut">
               <a:rPr lang="zh-CN" altLang="en-US" smtClean="0"/>
               <a:t>2024/3/10</a:t>
             </a:fld>
@@ -1821,7 +1821,7 @@
           <p:cNvPr id="8" name="页脚占位符 7">
             <a:extLst>
               <a:ext uri="{FF2B5EF4-FFF2-40B4-BE49-F238E27FC236}">
-                <a16:creationId xmlns:a16="http://schemas.microsoft.com/office/drawing/2014/main" id="{6ADD9E9F-7DE6-A1F3-2620-8A3892E56288}"/>
+                <a16:creationId xmlns:a16="http://schemas.microsoft.com/office/drawing/2014/main" id="{7CFD862F-31B3-5BD8-5E53-CB1344C396FB}"/>
               </a:ext>
             </a:extLst>
           </p:cNvPr>
@@ -1846,7 +1846,7 @@
           <p:cNvPr id="9" name="灯片编号占位符 8">
             <a:extLst>
               <a:ext uri="{FF2B5EF4-FFF2-40B4-BE49-F238E27FC236}">
-                <a16:creationId xmlns:a16="http://schemas.microsoft.com/office/drawing/2014/main" id="{3C88AA46-E7E8-9E97-1B10-6ACA88AB17B8}"/>
+                <a16:creationId xmlns:a16="http://schemas.microsoft.com/office/drawing/2014/main" id="{BE367DB3-D02E-FFED-494E-0B25744B0BA9}"/>
               </a:ext>
             </a:extLst>
           </p:cNvPr>
@@ -1862,7 +1862,7 @@
           <a:bodyPr/>
           <a:lstStyle/>
           <a:p>
-            <a:fld id="{C8FF8796-368B-42AA-9432-65525EF91DD5}" type="slidenum">
+            <a:fld id="{CAA1C6D4-DBE5-49AD-828A-40F2038B59C6}" type="slidenum">
               <a:rPr lang="zh-CN" altLang="en-US" smtClean="0"/>
               <a:t>‹#›</a:t>
             </a:fld>
@@ -1873,7 +1873,7 @@
     </p:spTree>
     <p:extLst>
       <p:ext uri="{BB962C8B-B14F-4D97-AF65-F5344CB8AC3E}">
-        <p14:creationId xmlns:p14="http://schemas.microsoft.com/office/powerpoint/2010/main" val="2261126483"/>
+        <p14:creationId xmlns:p14="http://schemas.microsoft.com/office/powerpoint/2010/main" val="257746353"/>
       </p:ext>
     </p:extLst>
   </p:cSld>
@@ -1905,7 +1905,7 @@
           <p:cNvPr id="2" name="标题 1">
             <a:extLst>
               <a:ext uri="{FF2B5EF4-FFF2-40B4-BE49-F238E27FC236}">
-                <a16:creationId xmlns:a16="http://schemas.microsoft.com/office/drawing/2014/main" id="{7A608E43-755D-C048-CFD3-9887FF49DBDF}"/>
+                <a16:creationId xmlns:a16="http://schemas.microsoft.com/office/drawing/2014/main" id="{5F429A44-BD31-747B-1F7A-384DF978BC04}"/>
               </a:ext>
             </a:extLst>
           </p:cNvPr>
@@ -1933,7 +1933,7 @@
           <p:cNvPr id="3" name="日期占位符 2">
             <a:extLst>
               <a:ext uri="{FF2B5EF4-FFF2-40B4-BE49-F238E27FC236}">
-                <a16:creationId xmlns:a16="http://schemas.microsoft.com/office/drawing/2014/main" id="{01817042-DCCA-5A67-5389-25200CCC28A7}"/>
+                <a16:creationId xmlns:a16="http://schemas.microsoft.com/office/drawing/2014/main" id="{80D5B12F-E1E0-55B3-B060-19C228B0CACD}"/>
               </a:ext>
             </a:extLst>
           </p:cNvPr>
@@ -1949,7 +1949,7 @@
           <a:bodyPr/>
           <a:lstStyle/>
           <a:p>
-            <a:fld id="{CAAEE975-1DCA-4D9F-A935-0F8A048D3108}" type="datetimeFigureOut">
+            <a:fld id="{FB9FC494-3180-4EDD-B150-80C50A29B4FC}" type="datetimeFigureOut">
               <a:rPr lang="zh-CN" altLang="en-US" smtClean="0"/>
               <a:t>2024/3/10</a:t>
             </a:fld>
@@ -1962,7 +1962,7 @@
           <p:cNvPr id="4" name="页脚占位符 3">
             <a:extLst>
               <a:ext uri="{FF2B5EF4-FFF2-40B4-BE49-F238E27FC236}">
-                <a16:creationId xmlns:a16="http://schemas.microsoft.com/office/drawing/2014/main" id="{F2885D88-8F98-74C6-CB6E-DDD72BBAECEE}"/>
+                <a16:creationId xmlns:a16="http://schemas.microsoft.com/office/drawing/2014/main" id="{A3C98933-DF24-624C-12D2-0F9D67F1AC4D}"/>
               </a:ext>
             </a:extLst>
           </p:cNvPr>
@@ -1987,7 +1987,7 @@
           <p:cNvPr id="5" name="灯片编号占位符 4">
             <a:extLst>
               <a:ext uri="{FF2B5EF4-FFF2-40B4-BE49-F238E27FC236}">
-                <a16:creationId xmlns:a16="http://schemas.microsoft.com/office/drawing/2014/main" id="{90214FBD-B7F6-F224-FA7F-FB8172F53405}"/>
+                <a16:creationId xmlns:a16="http://schemas.microsoft.com/office/drawing/2014/main" id="{4AD1F213-B8F3-3C99-AE1F-134A5ECDA9B4}"/>
               </a:ext>
             </a:extLst>
           </p:cNvPr>
@@ -2003,7 +2003,7 @@
           <a:bodyPr/>
           <a:lstStyle/>
           <a:p>
-            <a:fld id="{C8FF8796-368B-42AA-9432-65525EF91DD5}" type="slidenum">
+            <a:fld id="{CAA1C6D4-DBE5-49AD-828A-40F2038B59C6}" type="slidenum">
               <a:rPr lang="zh-CN" altLang="en-US" smtClean="0"/>
               <a:t>‹#›</a:t>
             </a:fld>
@@ -2014,7 +2014,7 @@
     </p:spTree>
     <p:extLst>
       <p:ext uri="{BB962C8B-B14F-4D97-AF65-F5344CB8AC3E}">
-        <p14:creationId xmlns:p14="http://schemas.microsoft.com/office/powerpoint/2010/main" val="1775185334"/>
+        <p14:creationId xmlns:p14="http://schemas.microsoft.com/office/powerpoint/2010/main" val="2114315570"/>
       </p:ext>
     </p:extLst>
   </p:cSld>
@@ -2046,7 +2046,7 @@
           <p:cNvPr id="2" name="日期占位符 1">
             <a:extLst>
               <a:ext uri="{FF2B5EF4-FFF2-40B4-BE49-F238E27FC236}">
-                <a16:creationId xmlns:a16="http://schemas.microsoft.com/office/drawing/2014/main" id="{AE583B62-C005-0DE7-484A-7C991BA66430}"/>
+                <a16:creationId xmlns:a16="http://schemas.microsoft.com/office/drawing/2014/main" id="{0C7D0613-A304-C47F-F62A-E30FFD1BF4FE}"/>
               </a:ext>
             </a:extLst>
           </p:cNvPr>
@@ -2062,7 +2062,7 @@
           <a:bodyPr/>
           <a:lstStyle/>
           <a:p>
-            <a:fld id="{CAAEE975-1DCA-4D9F-A935-0F8A048D3108}" type="datetimeFigureOut">
+            <a:fld id="{FB9FC494-3180-4EDD-B150-80C50A29B4FC}" type="datetimeFigureOut">
               <a:rPr lang="zh-CN" altLang="en-US" smtClean="0"/>
               <a:t>2024/3/10</a:t>
             </a:fld>
@@ -2075,7 +2075,7 @@
           <p:cNvPr id="3" name="页脚占位符 2">
             <a:extLst>
               <a:ext uri="{FF2B5EF4-FFF2-40B4-BE49-F238E27FC236}">
-                <a16:creationId xmlns:a16="http://schemas.microsoft.com/office/drawing/2014/main" id="{5F0F9F6D-23F2-FDED-2E90-A281C436E06D}"/>
+                <a16:creationId xmlns:a16="http://schemas.microsoft.com/office/drawing/2014/main" id="{CF08FAAA-F678-02D4-E770-28FA2EDEE734}"/>
               </a:ext>
             </a:extLst>
           </p:cNvPr>
@@ -2100,7 +2100,7 @@
           <p:cNvPr id="4" name="灯片编号占位符 3">
             <a:extLst>
               <a:ext uri="{FF2B5EF4-FFF2-40B4-BE49-F238E27FC236}">
-                <a16:creationId xmlns:a16="http://schemas.microsoft.com/office/drawing/2014/main" id="{1154056D-9AC0-28B1-A207-F560ED484C7C}"/>
+                <a16:creationId xmlns:a16="http://schemas.microsoft.com/office/drawing/2014/main" id="{0E1813DF-59C7-2ADD-CAC6-C5DC5C96A47E}"/>
               </a:ext>
             </a:extLst>
           </p:cNvPr>
@@ -2116,7 +2116,7 @@
           <a:bodyPr/>
           <a:lstStyle/>
           <a:p>
-            <a:fld id="{C8FF8796-368B-42AA-9432-65525EF91DD5}" type="slidenum">
+            <a:fld id="{CAA1C6D4-DBE5-49AD-828A-40F2038B59C6}" type="slidenum">
               <a:rPr lang="zh-CN" altLang="en-US" smtClean="0"/>
               <a:t>‹#›</a:t>
             </a:fld>
@@ -2127,7 +2127,7 @@
     </p:spTree>
     <p:extLst>
       <p:ext uri="{BB962C8B-B14F-4D97-AF65-F5344CB8AC3E}">
-        <p14:creationId xmlns:p14="http://schemas.microsoft.com/office/powerpoint/2010/main" val="1073316205"/>
+        <p14:creationId xmlns:p14="http://schemas.microsoft.com/office/powerpoint/2010/main" val="2825460294"/>
       </p:ext>
     </p:extLst>
   </p:cSld>
@@ -2159,7 +2159,7 @@
           <p:cNvPr id="2" name="标题 1">
             <a:extLst>
               <a:ext uri="{FF2B5EF4-FFF2-40B4-BE49-F238E27FC236}">
-                <a16:creationId xmlns:a16="http://schemas.microsoft.com/office/drawing/2014/main" id="{496EE129-4C37-4B33-9B79-5B814006BAC9}"/>
+                <a16:creationId xmlns:a16="http://schemas.microsoft.com/office/drawing/2014/main" id="{53DA5648-FB3F-878F-CCC3-22EA40D09EE8}"/>
               </a:ext>
             </a:extLst>
           </p:cNvPr>
@@ -2196,7 +2196,7 @@
           <p:cNvPr id="3" name="内容占位符 2">
             <a:extLst>
               <a:ext uri="{FF2B5EF4-FFF2-40B4-BE49-F238E27FC236}">
-                <a16:creationId xmlns:a16="http://schemas.microsoft.com/office/drawing/2014/main" id="{C5A786C9-6B5D-8A47-D0F2-B045C6A01E4D}"/>
+                <a16:creationId xmlns:a16="http://schemas.microsoft.com/office/drawing/2014/main" id="{8BFD9D56-2A3F-878F-2924-8E63855BA1CC}"/>
               </a:ext>
             </a:extLst>
           </p:cNvPr>
@@ -2286,7 +2286,7 @@
           <p:cNvPr id="4" name="文本占位符 3">
             <a:extLst>
               <a:ext uri="{FF2B5EF4-FFF2-40B4-BE49-F238E27FC236}">
-                <a16:creationId xmlns:a16="http://schemas.microsoft.com/office/drawing/2014/main" id="{0CE5820F-AD6B-6437-852F-D56A4F7E4FFD}"/>
+                <a16:creationId xmlns:a16="http://schemas.microsoft.com/office/drawing/2014/main" id="{BBAFF8D6-C308-289F-E832-0555A08565E5}"/>
               </a:ext>
             </a:extLst>
           </p:cNvPr>
@@ -2357,7 +2357,7 @@
           <p:cNvPr id="5" name="日期占位符 4">
             <a:extLst>
               <a:ext uri="{FF2B5EF4-FFF2-40B4-BE49-F238E27FC236}">
-                <a16:creationId xmlns:a16="http://schemas.microsoft.com/office/drawing/2014/main" id="{9A6AAF9D-2FD7-C2AB-6E7A-934D2F490CB8}"/>
+                <a16:creationId xmlns:a16="http://schemas.microsoft.com/office/drawing/2014/main" id="{5B525314-BA71-23FB-6EF5-2A5C8CEF537B}"/>
               </a:ext>
             </a:extLst>
           </p:cNvPr>
@@ -2373,7 +2373,7 @@
           <a:bodyPr/>
           <a:lstStyle/>
           <a:p>
-            <a:fld id="{CAAEE975-1DCA-4D9F-A935-0F8A048D3108}" type="datetimeFigureOut">
+            <a:fld id="{FB9FC494-3180-4EDD-B150-80C50A29B4FC}" type="datetimeFigureOut">
               <a:rPr lang="zh-CN" altLang="en-US" smtClean="0"/>
               <a:t>2024/3/10</a:t>
             </a:fld>
@@ -2386,7 +2386,7 @@
           <p:cNvPr id="6" name="页脚占位符 5">
             <a:extLst>
               <a:ext uri="{FF2B5EF4-FFF2-40B4-BE49-F238E27FC236}">
-                <a16:creationId xmlns:a16="http://schemas.microsoft.com/office/drawing/2014/main" id="{7EA1CC9F-D77A-38E1-6BA0-8CF965360BB9}"/>
+                <a16:creationId xmlns:a16="http://schemas.microsoft.com/office/drawing/2014/main" id="{8C1CB5F3-FFA8-61E5-88D0-F0D3905F3B3E}"/>
               </a:ext>
             </a:extLst>
           </p:cNvPr>
@@ -2411,7 +2411,7 @@
           <p:cNvPr id="7" name="灯片编号占位符 6">
             <a:extLst>
               <a:ext uri="{FF2B5EF4-FFF2-40B4-BE49-F238E27FC236}">
-                <a16:creationId xmlns:a16="http://schemas.microsoft.com/office/drawing/2014/main" id="{F63562C0-3057-9CDA-7E06-FDEAAE0C5AB3}"/>
+                <a16:creationId xmlns:a16="http://schemas.microsoft.com/office/drawing/2014/main" id="{1F1D09C8-9E78-4D5E-F973-489E4A913FCE}"/>
               </a:ext>
             </a:extLst>
           </p:cNvPr>
@@ -2427,7 +2427,7 @@
           <a:bodyPr/>
           <a:lstStyle/>
           <a:p>
-            <a:fld id="{C8FF8796-368B-42AA-9432-65525EF91DD5}" type="slidenum">
+            <a:fld id="{CAA1C6D4-DBE5-49AD-828A-40F2038B59C6}" type="slidenum">
               <a:rPr lang="zh-CN" altLang="en-US" smtClean="0"/>
               <a:t>‹#›</a:t>
             </a:fld>
@@ -2438,7 +2438,7 @@
     </p:spTree>
     <p:extLst>
       <p:ext uri="{BB962C8B-B14F-4D97-AF65-F5344CB8AC3E}">
-        <p14:creationId xmlns:p14="http://schemas.microsoft.com/office/powerpoint/2010/main" val="1950164943"/>
+        <p14:creationId xmlns:p14="http://schemas.microsoft.com/office/powerpoint/2010/main" val="233359268"/>
       </p:ext>
     </p:extLst>
   </p:cSld>
@@ -2470,7 +2470,7 @@
           <p:cNvPr id="2" name="标题 1">
             <a:extLst>
               <a:ext uri="{FF2B5EF4-FFF2-40B4-BE49-F238E27FC236}">
-                <a16:creationId xmlns:a16="http://schemas.microsoft.com/office/drawing/2014/main" id="{74AE169A-F750-F5E9-D900-26E4827B369C}"/>
+                <a16:creationId xmlns:a16="http://schemas.microsoft.com/office/drawing/2014/main" id="{18086A23-D1AB-BEF6-FB7D-EE59906C7C05}"/>
               </a:ext>
             </a:extLst>
           </p:cNvPr>
@@ -2507,7 +2507,7 @@
           <p:cNvPr id="3" name="图片占位符 2">
             <a:extLst>
               <a:ext uri="{FF2B5EF4-FFF2-40B4-BE49-F238E27FC236}">
-                <a16:creationId xmlns:a16="http://schemas.microsoft.com/office/drawing/2014/main" id="{8A99ADE8-D6F3-1C8C-BF19-D26EDCE9CEAB}"/>
+                <a16:creationId xmlns:a16="http://schemas.microsoft.com/office/drawing/2014/main" id="{D43FFEEF-D01F-0A41-6CFC-61F7B1766591}"/>
               </a:ext>
             </a:extLst>
           </p:cNvPr>
@@ -2574,7 +2574,7 @@
           <p:cNvPr id="4" name="文本占位符 3">
             <a:extLst>
               <a:ext uri="{FF2B5EF4-FFF2-40B4-BE49-F238E27FC236}">
-                <a16:creationId xmlns:a16="http://schemas.microsoft.com/office/drawing/2014/main" id="{313D2865-5B1F-D7A9-120C-678719A308D9}"/>
+                <a16:creationId xmlns:a16="http://schemas.microsoft.com/office/drawing/2014/main" id="{53078FDF-2DC1-201F-70B5-4C3DACD1411B}"/>
               </a:ext>
             </a:extLst>
           </p:cNvPr>
@@ -2645,7 +2645,7 @@
           <p:cNvPr id="5" name="日期占位符 4">
             <a:extLst>
               <a:ext uri="{FF2B5EF4-FFF2-40B4-BE49-F238E27FC236}">
-                <a16:creationId xmlns:a16="http://schemas.microsoft.com/office/drawing/2014/main" id="{E6118E95-64EC-97BD-7CF5-FDF423455846}"/>
+                <a16:creationId xmlns:a16="http://schemas.microsoft.com/office/drawing/2014/main" id="{ED8B2F98-2D1C-5CBB-C611-0D965170A0C2}"/>
               </a:ext>
             </a:extLst>
           </p:cNvPr>
@@ -2661,7 +2661,7 @@
           <a:bodyPr/>
           <a:lstStyle/>
           <a:p>
-            <a:fld id="{CAAEE975-1DCA-4D9F-A935-0F8A048D3108}" type="datetimeFigureOut">
+            <a:fld id="{FB9FC494-3180-4EDD-B150-80C50A29B4FC}" type="datetimeFigureOut">
               <a:rPr lang="zh-CN" altLang="en-US" smtClean="0"/>
               <a:t>2024/3/10</a:t>
             </a:fld>
@@ -2674,7 +2674,7 @@
           <p:cNvPr id="6" name="页脚占位符 5">
             <a:extLst>
               <a:ext uri="{FF2B5EF4-FFF2-40B4-BE49-F238E27FC236}">
-                <a16:creationId xmlns:a16="http://schemas.microsoft.com/office/drawing/2014/main" id="{07A785BC-3A9C-813F-1408-57179A72B1FE}"/>
+                <a16:creationId xmlns:a16="http://schemas.microsoft.com/office/drawing/2014/main" id="{F2B89AD1-5C7E-C7D7-0641-D68D068CAA57}"/>
               </a:ext>
             </a:extLst>
           </p:cNvPr>
@@ -2699,7 +2699,7 @@
           <p:cNvPr id="7" name="灯片编号占位符 6">
             <a:extLst>
               <a:ext uri="{FF2B5EF4-FFF2-40B4-BE49-F238E27FC236}">
-                <a16:creationId xmlns:a16="http://schemas.microsoft.com/office/drawing/2014/main" id="{D60BE868-1C7C-D704-9B43-C0905E6D1E16}"/>
+                <a16:creationId xmlns:a16="http://schemas.microsoft.com/office/drawing/2014/main" id="{FBF22285-5A84-5717-FC90-6D27C9F4BA01}"/>
               </a:ext>
             </a:extLst>
           </p:cNvPr>
@@ -2715,7 +2715,7 @@
           <a:bodyPr/>
           <a:lstStyle/>
           <a:p>
-            <a:fld id="{C8FF8796-368B-42AA-9432-65525EF91DD5}" type="slidenum">
+            <a:fld id="{CAA1C6D4-DBE5-49AD-828A-40F2038B59C6}" type="slidenum">
               <a:rPr lang="zh-CN" altLang="en-US" smtClean="0"/>
               <a:t>‹#›</a:t>
             </a:fld>
@@ -2726,7 +2726,7 @@
     </p:spTree>
     <p:extLst>
       <p:ext uri="{BB962C8B-B14F-4D97-AF65-F5344CB8AC3E}">
-        <p14:creationId xmlns:p14="http://schemas.microsoft.com/office/powerpoint/2010/main" val="1233314386"/>
+        <p14:creationId xmlns:p14="http://schemas.microsoft.com/office/powerpoint/2010/main" val="1589227274"/>
       </p:ext>
     </p:extLst>
   </p:cSld>
@@ -2763,7 +2763,7 @@
           <p:cNvPr id="2" name="标题占位符 1">
             <a:extLst>
               <a:ext uri="{FF2B5EF4-FFF2-40B4-BE49-F238E27FC236}">
-                <a16:creationId xmlns:a16="http://schemas.microsoft.com/office/drawing/2014/main" id="{8BF1B76A-2C7D-3AC4-450C-5A0EDC791649}"/>
+                <a16:creationId xmlns:a16="http://schemas.microsoft.com/office/drawing/2014/main" id="{4B85D748-015B-5444-E916-6D414535893C}"/>
               </a:ext>
             </a:extLst>
           </p:cNvPr>
@@ -2801,7 +2801,7 @@
           <p:cNvPr id="3" name="文本占位符 2">
             <a:extLst>
               <a:ext uri="{FF2B5EF4-FFF2-40B4-BE49-F238E27FC236}">
-                <a16:creationId xmlns:a16="http://schemas.microsoft.com/office/drawing/2014/main" id="{6D00E6F7-3B50-D6E7-A581-EDB303BFC043}"/>
+                <a16:creationId xmlns:a16="http://schemas.microsoft.com/office/drawing/2014/main" id="{B0719D20-B733-3323-4E7B-8DB4F030BA7B}"/>
               </a:ext>
             </a:extLst>
           </p:cNvPr>
@@ -2868,7 +2868,7 @@
           <p:cNvPr id="4" name="日期占位符 3">
             <a:extLst>
               <a:ext uri="{FF2B5EF4-FFF2-40B4-BE49-F238E27FC236}">
-                <a16:creationId xmlns:a16="http://schemas.microsoft.com/office/drawing/2014/main" id="{F1F914FC-F8E0-9850-22DD-AC8468751420}"/>
+                <a16:creationId xmlns:a16="http://schemas.microsoft.com/office/drawing/2014/main" id="{2EA80FD0-1CD2-9673-9CC4-83AD0641352A}"/>
               </a:ext>
             </a:extLst>
           </p:cNvPr>
@@ -2902,7 +2902,7 @@
             </a:lvl1pPr>
           </a:lstStyle>
           <a:p>
-            <a:fld id="{CAAEE975-1DCA-4D9F-A935-0F8A048D3108}" type="datetimeFigureOut">
+            <a:fld id="{FB9FC494-3180-4EDD-B150-80C50A29B4FC}" type="datetimeFigureOut">
               <a:rPr lang="zh-CN" altLang="en-US" smtClean="0"/>
               <a:t>2024/3/10</a:t>
             </a:fld>
@@ -2915,7 +2915,7 @@
           <p:cNvPr id="5" name="页脚占位符 4">
             <a:extLst>
               <a:ext uri="{FF2B5EF4-FFF2-40B4-BE49-F238E27FC236}">
-                <a16:creationId xmlns:a16="http://schemas.microsoft.com/office/drawing/2014/main" id="{B9C96668-2A38-97E5-47B2-C58D83624DDF}"/>
+                <a16:creationId xmlns:a16="http://schemas.microsoft.com/office/drawing/2014/main" id="{A516EC56-CCFC-18FE-C8E9-371B96A05522}"/>
               </a:ext>
             </a:extLst>
           </p:cNvPr>
@@ -2958,7 +2958,7 @@
           <p:cNvPr id="6" name="灯片编号占位符 5">
             <a:extLst>
               <a:ext uri="{FF2B5EF4-FFF2-40B4-BE49-F238E27FC236}">
-                <a16:creationId xmlns:a16="http://schemas.microsoft.com/office/drawing/2014/main" id="{732E1A47-C849-8624-E688-7D9FD9383C66}"/>
+                <a16:creationId xmlns:a16="http://schemas.microsoft.com/office/drawing/2014/main" id="{581F259F-A904-5DB7-6CB2-10B54715A962}"/>
               </a:ext>
             </a:extLst>
           </p:cNvPr>
@@ -2992,7 +2992,7 @@
             </a:lvl1pPr>
           </a:lstStyle>
           <a:p>
-            <a:fld id="{C8FF8796-368B-42AA-9432-65525EF91DD5}" type="slidenum">
+            <a:fld id="{CAA1C6D4-DBE5-49AD-828A-40F2038B59C6}" type="slidenum">
               <a:rPr lang="zh-CN" altLang="en-US" smtClean="0"/>
               <a:t>‹#›</a:t>
             </a:fld>
@@ -3003,7 +3003,7 @@
     </p:spTree>
     <p:extLst>
       <p:ext uri="{BB962C8B-B14F-4D97-AF65-F5344CB8AC3E}">
-        <p14:creationId xmlns:p14="http://schemas.microsoft.com/office/powerpoint/2010/main" val="4156208346"/>
+        <p14:creationId xmlns:p14="http://schemas.microsoft.com/office/powerpoint/2010/main" val="3940402208"/>
       </p:ext>
     </p:extLst>
   </p:cSld>
@@ -3323,7 +3323,7 @@
       </p:grpSpPr>
       <p:pic>
         <p:nvPicPr>
-          <p:cNvPr id="1204226" name="Picture 2" descr="1175"/>
+          <p:cNvPr id="1205250" name="Picture 2" descr="1176"/>
           <p:cNvPicPr>
             <a:picLocks noChangeAspect="1" noChangeArrowheads="1"/>
           </p:cNvPicPr>
@@ -3375,11 +3375,158 @@
           </a:extLst>
         </p:spPr>
       </p:pic>
+      <p:pic>
+        <p:nvPicPr>
+          <p:cNvPr id="1206275" name="Picture 3" descr="1176-2"/>
+          <p:cNvPicPr>
+            <a:picLocks noChangeAspect="1" noChangeArrowheads="1"/>
+          </p:cNvPicPr>
+          <p:nvPr/>
+        </p:nvPicPr>
+        <p:blipFill>
+          <a:blip r:embed="rId3">
+            <a:extLst>
+              <a:ext uri="{28A0092B-C50C-407E-A947-70E740481C1C}">
+                <a14:useLocalDpi xmlns:a14="http://schemas.microsoft.com/office/drawing/2010/main" val="0"/>
+              </a:ext>
+            </a:extLst>
+          </a:blip>
+          <a:srcRect/>
+          <a:stretch>
+            <a:fillRect/>
+          </a:stretch>
+        </p:blipFill>
+        <p:spPr bwMode="auto">
+          <a:xfrm>
+            <a:off x="1524000" y="0"/>
+            <a:ext cx="9144000" cy="6858000"/>
+          </a:xfrm>
+          <a:prstGeom prst="rect">
+            <a:avLst/>
+          </a:prstGeom>
+          <a:noFill/>
+          <a:ln>
+            <a:noFill/>
+          </a:ln>
+          <a:effectLst/>
+          <a:extLst>
+            <a:ext uri="{909E8E84-426E-40DD-AFC4-6F175D3DCCD1}">
+              <a14:hiddenFill xmlns:a14="http://schemas.microsoft.com/office/drawing/2010/main">
+                <a:solidFill>
+                  <a:srgbClr val="FFFFFF"/>
+                </a:solidFill>
+              </a14:hiddenFill>
+            </a:ext>
+            <a:ext uri="{91240B29-F687-4F45-9708-019B960494DF}">
+              <a14:hiddenLine xmlns:a14="http://schemas.microsoft.com/office/drawing/2010/main" w="9525">
+                <a:solidFill>
+                  <a:srgbClr val="000000"/>
+                </a:solidFill>
+                <a:miter lim="800000"/>
+                <a:headEnd/>
+                <a:tailEnd/>
+              </a14:hiddenLine>
+            </a:ext>
+            <a:ext uri="{AF507438-7753-43E0-B8FC-AC1667EBCBE1}">
+              <a14:hiddenEffects xmlns:a14="http://schemas.microsoft.com/office/drawing/2010/main">
+                <a:effectLst>
+                  <a:outerShdw dist="35921" dir="2700000" algn="ctr" rotWithShape="0">
+                    <a:srgbClr val="808080"/>
+                  </a:outerShdw>
+                </a:effectLst>
+              </a14:hiddenEffects>
+            </a:ext>
+          </a:extLst>
+        </p:spPr>
+      </p:pic>
     </p:spTree>
   </p:cSld>
   <p:clrMapOvr>
     <a:masterClrMapping/>
   </p:clrMapOvr>
+  <p:timing>
+    <p:tnLst>
+      <p:par>
+        <p:cTn id="1" dur="indefinite" restart="never" nodeType="tmRoot">
+          <p:childTnLst>
+            <p:seq concurrent="1" nextAc="seek">
+              <p:cTn id="2" dur="indefinite" nodeType="mainSeq">
+                <p:childTnLst>
+                  <p:par>
+                    <p:cTn id="3" fill="hold" nodeType="clickPar">
+                      <p:stCondLst>
+                        <p:cond delay="indefinite"/>
+                      </p:stCondLst>
+                      <p:childTnLst>
+                        <p:par>
+                          <p:cTn id="4" fill="hold" nodeType="withGroup">
+                            <p:stCondLst>
+                              <p:cond delay="0"/>
+                            </p:stCondLst>
+                            <p:childTnLst>
+                              <p:par>
+                                <p:cTn id="5" presetID="10" presetClass="entr" presetSubtype="0" fill="hold" nodeType="clickEffect">
+                                  <p:stCondLst>
+                                    <p:cond delay="0"/>
+                                  </p:stCondLst>
+                                  <p:childTnLst>
+                                    <p:set>
+                                      <p:cBhvr>
+                                        <p:cTn id="6" dur="1" fill="hold">
+                                          <p:stCondLst>
+                                            <p:cond delay="0"/>
+                                          </p:stCondLst>
+                                        </p:cTn>
+                                        <p:tgtEl>
+                                          <p:spTgt spid="1206275"/>
+                                        </p:tgtEl>
+                                        <p:attrNameLst>
+                                          <p:attrName>style.visibility</p:attrName>
+                                        </p:attrNameLst>
+                                      </p:cBhvr>
+                                      <p:to>
+                                        <p:strVal val="visible"/>
+                                      </p:to>
+                                    </p:set>
+                                    <p:animEffect transition="in" filter="fade">
+                                      <p:cBhvr>
+                                        <p:cTn id="7" dur="500"/>
+                                        <p:tgtEl>
+                                          <p:spTgt spid="1206275"/>
+                                        </p:tgtEl>
+                                      </p:cBhvr>
+                                    </p:animEffect>
+                                  </p:childTnLst>
+                                </p:cTn>
+                              </p:par>
+                            </p:childTnLst>
+                          </p:cTn>
+                        </p:par>
+                      </p:childTnLst>
+                    </p:cTn>
+                  </p:par>
+                </p:childTnLst>
+              </p:cTn>
+              <p:prevCondLst>
+                <p:cond evt="onPrev" delay="0">
+                  <p:tgtEl>
+                    <p:sldTgt/>
+                  </p:tgtEl>
+                </p:cond>
+              </p:prevCondLst>
+              <p:nextCondLst>
+                <p:cond evt="onNext" delay="0">
+                  <p:tgtEl>
+                    <p:sldTgt/>
+                  </p:tgtEl>
+                </p:cond>
+              </p:nextCondLst>
+            </p:seq>
+          </p:childTnLst>
+        </p:cTn>
+      </p:par>
+    </p:tnLst>
+  </p:timing>
 </p:sld>
 </file>
 
